--- a/Slides/Lab2.pptx
+++ b/Slides/Lab2.pptx
@@ -19,8 +19,9 @@
     <p:sldId id="266" r:id="rId13"/>
     <p:sldId id="271" r:id="rId14"/>
     <p:sldId id="268" r:id="rId15"/>
-    <p:sldId id="267" r:id="rId16"/>
-    <p:sldId id="269" r:id="rId17"/>
+    <p:sldId id="273" r:id="rId16"/>
+    <p:sldId id="267" r:id="rId17"/>
+    <p:sldId id="269" r:id="rId18"/>
   </p:sldIdLst>
   <p:sldSz cx="12192000" cy="6858000"/>
   <p:notesSz cx="6858000" cy="9144000"/>
@@ -258,7 +259,7 @@
           <a:p>
             <a:fld id="{A2F48EBC-6115-D043-8ADF-29CAAD2FB5CE}" type="datetimeFigureOut">
               <a:rPr lang="en-US" smtClean="0"/>
-              <a:t>2/5/16</a:t>
+              <a:t>2/8/16</a:t>
             </a:fld>
             <a:endParaRPr lang="en-US"/>
           </a:p>
@@ -428,7 +429,7 @@
           <a:p>
             <a:fld id="{A2F48EBC-6115-D043-8ADF-29CAAD2FB5CE}" type="datetimeFigureOut">
               <a:rPr lang="en-US" smtClean="0"/>
-              <a:t>2/5/16</a:t>
+              <a:t>2/8/16</a:t>
             </a:fld>
             <a:endParaRPr lang="en-US"/>
           </a:p>
@@ -608,7 +609,7 @@
           <a:p>
             <a:fld id="{A2F48EBC-6115-D043-8ADF-29CAAD2FB5CE}" type="datetimeFigureOut">
               <a:rPr lang="en-US" smtClean="0"/>
-              <a:t>2/5/16</a:t>
+              <a:t>2/8/16</a:t>
             </a:fld>
             <a:endParaRPr lang="en-US"/>
           </a:p>
@@ -778,7 +779,7 @@
           <a:p>
             <a:fld id="{A2F48EBC-6115-D043-8ADF-29CAAD2FB5CE}" type="datetimeFigureOut">
               <a:rPr lang="en-US" smtClean="0"/>
-              <a:t>2/5/16</a:t>
+              <a:t>2/8/16</a:t>
             </a:fld>
             <a:endParaRPr lang="en-US"/>
           </a:p>
@@ -1024,7 +1025,7 @@
           <a:p>
             <a:fld id="{A2F48EBC-6115-D043-8ADF-29CAAD2FB5CE}" type="datetimeFigureOut">
               <a:rPr lang="en-US" smtClean="0"/>
-              <a:t>2/5/16</a:t>
+              <a:t>2/8/16</a:t>
             </a:fld>
             <a:endParaRPr lang="en-US"/>
           </a:p>
@@ -1256,7 +1257,7 @@
           <a:p>
             <a:fld id="{A2F48EBC-6115-D043-8ADF-29CAAD2FB5CE}" type="datetimeFigureOut">
               <a:rPr lang="en-US" smtClean="0"/>
-              <a:t>2/5/16</a:t>
+              <a:t>2/8/16</a:t>
             </a:fld>
             <a:endParaRPr lang="en-US"/>
           </a:p>
@@ -1623,7 +1624,7 @@
           <a:p>
             <a:fld id="{A2F48EBC-6115-D043-8ADF-29CAAD2FB5CE}" type="datetimeFigureOut">
               <a:rPr lang="en-US" smtClean="0"/>
-              <a:t>2/5/16</a:t>
+              <a:t>2/8/16</a:t>
             </a:fld>
             <a:endParaRPr lang="en-US"/>
           </a:p>
@@ -1741,7 +1742,7 @@
           <a:p>
             <a:fld id="{A2F48EBC-6115-D043-8ADF-29CAAD2FB5CE}" type="datetimeFigureOut">
               <a:rPr lang="en-US" smtClean="0"/>
-              <a:t>2/5/16</a:t>
+              <a:t>2/8/16</a:t>
             </a:fld>
             <a:endParaRPr lang="en-US"/>
           </a:p>
@@ -1836,7 +1837,7 @@
           <a:p>
             <a:fld id="{A2F48EBC-6115-D043-8ADF-29CAAD2FB5CE}" type="datetimeFigureOut">
               <a:rPr lang="en-US" smtClean="0"/>
-              <a:t>2/5/16</a:t>
+              <a:t>2/8/16</a:t>
             </a:fld>
             <a:endParaRPr lang="en-US"/>
           </a:p>
@@ -2113,7 +2114,7 @@
           <a:p>
             <a:fld id="{A2F48EBC-6115-D043-8ADF-29CAAD2FB5CE}" type="datetimeFigureOut">
               <a:rPr lang="en-US" smtClean="0"/>
-              <a:t>2/5/16</a:t>
+              <a:t>2/8/16</a:t>
             </a:fld>
             <a:endParaRPr lang="en-US"/>
           </a:p>
@@ -2366,7 +2367,7 @@
           <a:p>
             <a:fld id="{A2F48EBC-6115-D043-8ADF-29CAAD2FB5CE}" type="datetimeFigureOut">
               <a:rPr lang="en-US" smtClean="0"/>
-              <a:t>2/5/16</a:t>
+              <a:t>2/8/16</a:t>
             </a:fld>
             <a:endParaRPr lang="en-US"/>
           </a:p>
@@ -2579,7 +2580,7 @@
           <a:p>
             <a:fld id="{A2F48EBC-6115-D043-8ADF-29CAAD2FB5CE}" type="datetimeFigureOut">
               <a:rPr lang="en-US" smtClean="0"/>
-              <a:t>2/5/16</a:t>
+              <a:t>2/8/16</a:t>
             </a:fld>
             <a:endParaRPr lang="en-US"/>
           </a:p>
@@ -3185,11 +3186,7 @@
             </a:r>
             <a:r>
               <a:rPr lang="en-US" dirty="0" smtClean="0"/>
-              <a:t> </a:t>
-            </a:r>
-            <a:r>
-              <a:rPr lang="en-US" dirty="0" smtClean="0"/>
-              <a:t>add &lt;filename&gt;</a:t>
+              <a:t> add &lt;filename&gt;</a:t>
             </a:r>
           </a:p>
           <a:p>
@@ -3210,11 +3207,7 @@
             </a:r>
             <a:r>
               <a:rPr lang="en-US" dirty="0" smtClean="0"/>
-              <a:t> </a:t>
-            </a:r>
-            <a:r>
-              <a:rPr lang="en-US" dirty="0" smtClean="0"/>
-              <a:t>commit –m “message” &lt;filename&gt; </a:t>
+              <a:t> commit –m “message” &lt;filename&gt; </a:t>
             </a:r>
           </a:p>
           <a:p>
@@ -3235,11 +3228,7 @@
             </a:r>
             <a:r>
               <a:rPr lang="en-US" dirty="0" smtClean="0"/>
-              <a:t> </a:t>
-            </a:r>
-            <a:r>
-              <a:rPr lang="en-US" dirty="0" smtClean="0"/>
-              <a:t>push origin master</a:t>
+              <a:t> push origin master</a:t>
             </a:r>
             <a:endParaRPr lang="en-US" dirty="0"/>
           </a:p>
@@ -3392,15 +3381,7 @@
           <a:p>
             <a:r>
               <a:rPr lang="en-US" dirty="0" smtClean="0"/>
-              <a:t>Let’s add </a:t>
-            </a:r>
-            <a:r>
-              <a:rPr lang="en-US" dirty="0" smtClean="0"/>
-              <a:t>this </a:t>
-            </a:r>
-            <a:r>
-              <a:rPr lang="en-US" dirty="0" smtClean="0"/>
-              <a:t>directory to your repo</a:t>
+              <a:t>Let’s add this directory to your repo</a:t>
             </a:r>
             <a:endParaRPr lang="en-US" dirty="0"/>
           </a:p>
@@ -3450,11 +3431,7 @@
             </a:r>
             <a:r>
               <a:rPr lang="en-US" dirty="0" smtClean="0"/>
-              <a:t> </a:t>
-            </a:r>
-            <a:r>
-              <a:rPr lang="en-US" dirty="0" smtClean="0"/>
-              <a:t>add .</a:t>
+              <a:t> add .</a:t>
             </a:r>
           </a:p>
           <a:p>
@@ -3806,6 +3783,92 @@
           <a:lstStyle/>
           <a:p>
             <a:r>
+              <a:rPr lang="en-US" smtClean="0"/>
+              <a:t>Homework Stringlength </a:t>
+            </a:r>
+            <a:r>
+              <a:rPr lang="en-US" dirty="0" smtClean="0"/>
+              <a:t>:</a:t>
+            </a:r>
+            <a:endParaRPr lang="en-US" dirty="0"/>
+          </a:p>
+        </p:txBody>
+      </p:sp>
+      <p:pic>
+        <p:nvPicPr>
+          <p:cNvPr id="4" name="Content Placeholder 3"/>
+          <p:cNvPicPr>
+            <a:picLocks noGrp="1" noChangeAspect="1"/>
+          </p:cNvPicPr>
+          <p:nvPr>
+            <p:ph idx="1"/>
+          </p:nvPr>
+        </p:nvPicPr>
+        <p:blipFill>
+          <a:blip r:embed="rId2">
+            <a:extLst>
+              <a:ext uri="{28A0092B-C50C-407E-A947-70E740481C1C}">
+                <a14:useLocalDpi xmlns:a14="http://schemas.microsoft.com/office/drawing/2010/main" val="0"/>
+              </a:ext>
+            </a:extLst>
+          </a:blip>
+          <a:stretch>
+            <a:fillRect/>
+          </a:stretch>
+        </p:blipFill>
+        <p:spPr>
+          <a:xfrm>
+            <a:off x="3029867" y="1825625"/>
+            <a:ext cx="6132265" cy="4351338"/>
+          </a:xfrm>
+        </p:spPr>
+      </p:pic>
+    </p:spTree>
+    <p:extLst>
+      <p:ext uri="{BB962C8B-B14F-4D97-AF65-F5344CB8AC3E}">
+        <p14:creationId xmlns:p14="http://schemas.microsoft.com/office/powerpoint/2010/main" val="491650450"/>
+      </p:ext>
+    </p:extLst>
+  </p:cSld>
+  <p:clrMapOvr>
+    <a:masterClrMapping/>
+  </p:clrMapOvr>
+</p:sld>
+</file>
+
+<file path=ppt/slides/slide16.xml><?xml version="1.0" encoding="utf-8"?>
+<p:sld xmlns:a="http://schemas.openxmlformats.org/drawingml/2006/main" xmlns:r="http://schemas.openxmlformats.org/officeDocument/2006/relationships" xmlns:p="http://schemas.openxmlformats.org/presentationml/2006/main">
+  <p:cSld>
+    <p:spTree>
+      <p:nvGrpSpPr>
+        <p:cNvPr id="1" name=""/>
+        <p:cNvGrpSpPr/>
+        <p:nvPr/>
+      </p:nvGrpSpPr>
+      <p:grpSpPr>
+        <a:xfrm>
+          <a:off x="0" y="0"/>
+          <a:ext cx="0" cy="0"/>
+          <a:chOff x="0" y="0"/>
+          <a:chExt cx="0" cy="0"/>
+        </a:xfrm>
+      </p:grpSpPr>
+      <p:sp>
+        <p:nvSpPr>
+          <p:cNvPr id="2" name="Title 1"/>
+          <p:cNvSpPr>
+            <a:spLocks noGrp="1"/>
+          </p:cNvSpPr>
+          <p:nvPr>
+            <p:ph type="title"/>
+          </p:nvPr>
+        </p:nvSpPr>
+        <p:spPr/>
+        <p:txBody>
+          <a:bodyPr/>
+          <a:lstStyle/>
+          <a:p>
+            <a:r>
               <a:rPr lang="en-US" dirty="0" smtClean="0"/>
               <a:t>Homework: Fahrenheit to Celsius</a:t>
             </a:r>
@@ -3907,7 +3970,7 @@
 </p:sld>
 </file>
 
-<file path=ppt/slides/slide16.xml><?xml version="1.0" encoding="utf-8"?>
+<file path=ppt/slides/slide17.xml><?xml version="1.0" encoding="utf-8"?>
 <p:sld xmlns:a="http://schemas.openxmlformats.org/drawingml/2006/main" xmlns:r="http://schemas.openxmlformats.org/officeDocument/2006/relationships" xmlns:p="http://schemas.openxmlformats.org/presentationml/2006/main">
   <p:cSld>
     <p:spTree>
@@ -4761,7 +4824,6 @@
               <a:rPr lang="en-US" dirty="0" smtClean="0"/>
               <a:t>You probably have it installed</a:t>
             </a:r>
-            <a:endParaRPr lang="en-US" dirty="0" smtClean="0"/>
           </a:p>
         </p:txBody>
       </p:sp>
